--- a/files/teaching-resources/monmouthcollege-econ-301/econ-301-s2024/econ-301-s2024-quiz/ECON301-S2024-Q05-RECAP.pptx
+++ b/files/teaching-resources/monmouthcollege-econ-301/econ-301-s2024/econ-301-s2024-quiz/ECON301-S2024-Q05-RECAP.pptx
@@ -13486,15 +13486,15 @@
           <a:p>
             <a:r>
               <a:rPr lang="en-US" dirty="0"/>
-              <a:t>Dates: May. 1</a:t>
+              <a:t>Dates: Apr. 29</a:t>
             </a:r>
             <a:r>
               <a:rPr lang="en-US" baseline="30000" dirty="0"/>
-              <a:t>st</a:t>
+              <a:t>th</a:t>
             </a:r>
             <a:r>
               <a:rPr lang="en-US" dirty="0"/>
-              <a:t>  ~ May. 10</a:t>
+              <a:t> ~ May. 10</a:t>
             </a:r>
             <a:r>
               <a:rPr lang="en-US" baseline="30000" dirty="0"/>
@@ -13681,8 +13681,8 @@
           </a:p>
         </p:txBody>
       </p:sp>
-      <mc:AlternateContent xmlns:mc="http://schemas.openxmlformats.org/markup-compatibility/2006">
-        <mc:Choice xmlns:a14="http://schemas.microsoft.com/office/drawing/2010/main" Requires="a14">
+      <mc:AlternateContent xmlns:mc="http://schemas.openxmlformats.org/markup-compatibility/2006" xmlns:a14="http://schemas.microsoft.com/office/drawing/2010/main">
+        <mc:Choice Requires="a14">
           <p:sp>
             <p:nvSpPr>
               <p:cNvPr id="3" name="Content Placeholder 2">
@@ -13726,7 +13726,7 @@
                     <m:d>
                       <m:dPr>
                         <m:ctrlPr>
-                          <a:rPr lang="en-US" b="0" i="0" dirty="0" smtClean="0">
+                          <a:rPr lang="en-US" b="0" i="1" dirty="0" smtClean="0">
                             <a:solidFill>
                               <a:srgbClr val="FF0000"/>
                             </a:solidFill>
@@ -14009,7 +14009,7 @@
             </p:txBody>
           </p:sp>
         </mc:Choice>
-        <mc:Fallback>
+        <mc:Fallback xmlns="">
           <p:sp>
             <p:nvSpPr>
               <p:cNvPr id="3" name="Content Placeholder 2">
@@ -14551,8 +14551,8 @@
           </a:p>
         </p:txBody>
       </p:sp>
-      <mc:AlternateContent xmlns:mc="http://schemas.openxmlformats.org/markup-compatibility/2006">
-        <mc:Choice xmlns:a14="http://schemas.microsoft.com/office/drawing/2010/main" Requires="a14">
+      <mc:AlternateContent xmlns:mc="http://schemas.openxmlformats.org/markup-compatibility/2006" xmlns:a14="http://schemas.microsoft.com/office/drawing/2010/main">
+        <mc:Choice Requires="a14">
           <p:sp>
             <p:nvSpPr>
               <p:cNvPr id="3" name="Content Placeholder 2">
@@ -14832,7 +14832,7 @@
             </p:txBody>
           </p:sp>
         </mc:Choice>
-        <mc:Fallback>
+        <mc:Fallback xmlns="">
           <p:sp>
             <p:nvSpPr>
               <p:cNvPr id="3" name="Content Placeholder 2">
@@ -15450,8 +15450,8 @@
           </a:p>
         </p:txBody>
       </p:sp>
-      <mc:AlternateContent xmlns:mc="http://schemas.openxmlformats.org/markup-compatibility/2006">
-        <mc:Choice xmlns:a14="http://schemas.microsoft.com/office/drawing/2010/main" Requires="a14">
+      <mc:AlternateContent xmlns:mc="http://schemas.openxmlformats.org/markup-compatibility/2006" xmlns:a14="http://schemas.microsoft.com/office/drawing/2010/main">
+        <mc:Choice Requires="a14">
           <p:sp>
             <p:nvSpPr>
               <p:cNvPr id="3" name="Content Placeholder 2">
@@ -15624,7 +15624,7 @@
             </p:txBody>
           </p:sp>
         </mc:Choice>
-        <mc:Fallback>
+        <mc:Fallback xmlns="">
           <p:sp>
             <p:nvSpPr>
               <p:cNvPr id="3" name="Content Placeholder 2">
@@ -17337,8 +17337,8 @@
           </a:p>
         </p:txBody>
       </p:sp>
-      <mc:AlternateContent xmlns:mc="http://schemas.openxmlformats.org/markup-compatibility/2006">
-        <mc:Choice xmlns:a14="http://schemas.microsoft.com/office/drawing/2010/main" Requires="a14">
+      <mc:AlternateContent xmlns:mc="http://schemas.openxmlformats.org/markup-compatibility/2006" xmlns:a14="http://schemas.microsoft.com/office/drawing/2010/main">
+        <mc:Choice Requires="a14">
           <p:sp>
             <p:nvSpPr>
               <p:cNvPr id="3" name="Content Placeholder 2">
@@ -17556,7 +17556,7 @@
             </p:txBody>
           </p:sp>
         </mc:Choice>
-        <mc:Fallback>
+        <mc:Fallback xmlns="">
           <p:sp>
             <p:nvSpPr>
               <p:cNvPr id="3" name="Content Placeholder 2">

--- a/files/teaching-resources/monmouthcollege-econ-301/econ-301-s2024/econ-301-s2024-quiz/ECON301-S2024-Q05-RECAP.pptx
+++ b/files/teaching-resources/monmouthcollege-econ-301/econ-301-s2024/econ-301-s2024-quiz/ECON301-S2024-Q05-RECAP.pptx
@@ -213,7 +213,7 @@
           <a:p>
             <a:fld id="{0E0A6441-4E79-42FF-805B-86C90BDFD38D}" type="datetimeFigureOut">
               <a:rPr lang="en-US" smtClean="0"/>
-              <a:t>4/28/2024</a:t>
+              <a:t>4/29/2024</a:t>
             </a:fld>
             <a:endParaRPr lang="en-US" dirty="0"/>
           </a:p>
@@ -15450,8 +15450,8 @@
           </a:p>
         </p:txBody>
       </p:sp>
-      <mc:AlternateContent xmlns:mc="http://schemas.openxmlformats.org/markup-compatibility/2006" xmlns:a14="http://schemas.microsoft.com/office/drawing/2010/main">
-        <mc:Choice Requires="a14">
+      <mc:AlternateContent xmlns:mc="http://schemas.openxmlformats.org/markup-compatibility/2006">
+        <mc:Choice xmlns:a14="http://schemas.microsoft.com/office/drawing/2010/main" Requires="a14">
           <p:sp>
             <p:nvSpPr>
               <p:cNvPr id="3" name="Content Placeholder 2">
@@ -15482,7 +15482,7 @@
               <a:p>
                 <a:r>
                   <a:rPr lang="en-US" dirty="0"/>
-                  <a:t>The effect of a tax cut on domestic output will be greater when the economy is open, compared to when the economy is closed..</a:t>
+                  <a:t>The effect of a tax cut on domestic output will be greater when the economy is open, compared to when the economy is closed.</a:t>
                 </a:r>
               </a:p>
               <a:p>
@@ -15624,7 +15624,7 @@
             </p:txBody>
           </p:sp>
         </mc:Choice>
-        <mc:Fallback xmlns="">
+        <mc:Fallback>
           <p:sp>
             <p:nvSpPr>
               <p:cNvPr id="3" name="Content Placeholder 2">
@@ -17337,8 +17337,8 @@
           </a:p>
         </p:txBody>
       </p:sp>
-      <mc:AlternateContent xmlns:mc="http://schemas.openxmlformats.org/markup-compatibility/2006" xmlns:a14="http://schemas.microsoft.com/office/drawing/2010/main">
-        <mc:Choice Requires="a14">
+      <mc:AlternateContent xmlns:mc="http://schemas.openxmlformats.org/markup-compatibility/2006">
+        <mc:Choice xmlns:a14="http://schemas.microsoft.com/office/drawing/2010/main" Requires="a14">
           <p:sp>
             <p:nvSpPr>
               <p:cNvPr id="3" name="Content Placeholder 2">
@@ -17539,7 +17539,7 @@
                       <a:srgbClr val="FF0000"/>
                     </a:solidFill>
                   </a:rPr>
-                  <a:t> will decrease, as foreign products are now cheaper than domestic products.</a:t>
+                  <a:t> will decrease, as domestic products are now cheaper than foreign products.</a:t>
                 </a:r>
               </a:p>
               <a:p>
@@ -17556,7 +17556,7 @@
             </p:txBody>
           </p:sp>
         </mc:Choice>
-        <mc:Fallback xmlns="">
+        <mc:Fallback>
           <p:sp>
             <p:nvSpPr>
               <p:cNvPr id="3" name="Content Placeholder 2">
@@ -17577,7 +17577,7 @@
               <a:blipFill>
                 <a:blip r:embed="rId2"/>
                 <a:stretch>
-                  <a:fillRect l="-1005" t="-1821" r="-1314"/>
+                  <a:fillRect l="-1005" t="-1821"/>
                 </a:stretch>
               </a:blipFill>
             </p:spPr>
